--- a/CognitionEmotion6_RTutorial3/R_tutorial_3_slides.pptx
+++ b/CognitionEmotion6_RTutorial3/R_tutorial_3_slides.pptx
@@ -141,7 +141,7 @@
   <pc:docChgLst>
     <pc:chgData name="Aaron McInnes" userId="171bdf0d-4e2d-4ff0-8f57-fda72b0a8d25" providerId="ADAL" clId="{8EA2671E-3B73-5642-9CAE-D4FA1E3485DB}"/>
     <pc:docChg chg="undo custSel mod addSld delSld modSld">
-      <pc:chgData name="Aaron McInnes" userId="171bdf0d-4e2d-4ff0-8f57-fda72b0a8d25" providerId="ADAL" clId="{8EA2671E-3B73-5642-9CAE-D4FA1E3485DB}" dt="2020-05-06T05:30:21.561" v="1653" actId="20577"/>
+      <pc:chgData name="Aaron McInnes" userId="171bdf0d-4e2d-4ff0-8f57-fda72b0a8d25" providerId="ADAL" clId="{8EA2671E-3B73-5642-9CAE-D4FA1E3485DB}" dt="2020-05-08T02:30:23.063" v="1654" actId="20577"/>
       <pc:docMkLst>
         <pc:docMk/>
       </pc:docMkLst>
@@ -157,6 +157,21 @@
             <pc:docMk/>
             <pc:sldMk cId="3514132707" sldId="256"/>
             <ac:spMk id="4" creationId="{6E73FB95-54CE-DF45-9E5C-BFF470E51BC7}"/>
+          </ac:spMkLst>
+        </pc:spChg>
+      </pc:sldChg>
+      <pc:sldChg chg="modSp">
+        <pc:chgData name="Aaron McInnes" userId="171bdf0d-4e2d-4ff0-8f57-fda72b0a8d25" providerId="ADAL" clId="{8EA2671E-3B73-5642-9CAE-D4FA1E3485DB}" dt="2020-05-08T02:30:23.063" v="1654" actId="20577"/>
+        <pc:sldMkLst>
+          <pc:docMk/>
+          <pc:sldMk cId="4143874607" sldId="259"/>
+        </pc:sldMkLst>
+        <pc:spChg chg="mod">
+          <ac:chgData name="Aaron McInnes" userId="171bdf0d-4e2d-4ff0-8f57-fda72b0a8d25" providerId="ADAL" clId="{8EA2671E-3B73-5642-9CAE-D4FA1E3485DB}" dt="2020-05-08T02:30:23.063" v="1654" actId="20577"/>
+          <ac:spMkLst>
+            <pc:docMk/>
+            <pc:sldMk cId="4143874607" sldId="259"/>
+            <ac:spMk id="3" creationId="{DCE3F55B-CB38-534D-976D-4AE8F2F427B8}"/>
           </ac:spMkLst>
         </pc:spChg>
       </pc:sldChg>
@@ -924,7 +939,7 @@
           <a:p>
             <a:fld id="{ACCEE0A9-7BBF-D64C-96E2-5C4F18339E75}" type="datetimeFigureOut">
               <a:rPr lang="en-AU" smtClean="0"/>
-              <a:t>6/5/20</a:t>
+              <a:t>8/5/20</a:t>
             </a:fld>
             <a:endParaRPr lang="en-AU"/>
           </a:p>
@@ -1124,7 +1139,7 @@
           <a:p>
             <a:fld id="{ACCEE0A9-7BBF-D64C-96E2-5C4F18339E75}" type="datetimeFigureOut">
               <a:rPr lang="en-AU" smtClean="0"/>
-              <a:t>6/5/20</a:t>
+              <a:t>8/5/20</a:t>
             </a:fld>
             <a:endParaRPr lang="en-AU"/>
           </a:p>
@@ -1334,7 +1349,7 @@
           <a:p>
             <a:fld id="{ACCEE0A9-7BBF-D64C-96E2-5C4F18339E75}" type="datetimeFigureOut">
               <a:rPr lang="en-AU" smtClean="0"/>
-              <a:t>6/5/20</a:t>
+              <a:t>8/5/20</a:t>
             </a:fld>
             <a:endParaRPr lang="en-AU"/>
           </a:p>
@@ -1534,7 +1549,7 @@
           <a:p>
             <a:fld id="{ACCEE0A9-7BBF-D64C-96E2-5C4F18339E75}" type="datetimeFigureOut">
               <a:rPr lang="en-AU" smtClean="0"/>
-              <a:t>6/5/20</a:t>
+              <a:t>8/5/20</a:t>
             </a:fld>
             <a:endParaRPr lang="en-AU"/>
           </a:p>
@@ -1810,7 +1825,7 @@
           <a:p>
             <a:fld id="{ACCEE0A9-7BBF-D64C-96E2-5C4F18339E75}" type="datetimeFigureOut">
               <a:rPr lang="en-AU" smtClean="0"/>
-              <a:t>6/5/20</a:t>
+              <a:t>8/5/20</a:t>
             </a:fld>
             <a:endParaRPr lang="en-AU"/>
           </a:p>
@@ -2078,7 +2093,7 @@
           <a:p>
             <a:fld id="{ACCEE0A9-7BBF-D64C-96E2-5C4F18339E75}" type="datetimeFigureOut">
               <a:rPr lang="en-AU" smtClean="0"/>
-              <a:t>6/5/20</a:t>
+              <a:t>8/5/20</a:t>
             </a:fld>
             <a:endParaRPr lang="en-AU"/>
           </a:p>
@@ -2493,7 +2508,7 @@
           <a:p>
             <a:fld id="{ACCEE0A9-7BBF-D64C-96E2-5C4F18339E75}" type="datetimeFigureOut">
               <a:rPr lang="en-AU" smtClean="0"/>
-              <a:t>6/5/20</a:t>
+              <a:t>8/5/20</a:t>
             </a:fld>
             <a:endParaRPr lang="en-AU"/>
           </a:p>
@@ -2635,7 +2650,7 @@
           <a:p>
             <a:fld id="{ACCEE0A9-7BBF-D64C-96E2-5C4F18339E75}" type="datetimeFigureOut">
               <a:rPr lang="en-AU" smtClean="0"/>
-              <a:t>6/5/20</a:t>
+              <a:t>8/5/20</a:t>
             </a:fld>
             <a:endParaRPr lang="en-AU"/>
           </a:p>
@@ -2748,7 +2763,7 @@
           <a:p>
             <a:fld id="{ACCEE0A9-7BBF-D64C-96E2-5C4F18339E75}" type="datetimeFigureOut">
               <a:rPr lang="en-AU" smtClean="0"/>
-              <a:t>6/5/20</a:t>
+              <a:t>8/5/20</a:t>
             </a:fld>
             <a:endParaRPr lang="en-AU"/>
           </a:p>
@@ -3061,7 +3076,7 @@
           <a:p>
             <a:fld id="{ACCEE0A9-7BBF-D64C-96E2-5C4F18339E75}" type="datetimeFigureOut">
               <a:rPr lang="en-AU" smtClean="0"/>
-              <a:t>6/5/20</a:t>
+              <a:t>8/5/20</a:t>
             </a:fld>
             <a:endParaRPr lang="en-AU"/>
           </a:p>
@@ -3350,7 +3365,7 @@
           <a:p>
             <a:fld id="{ACCEE0A9-7BBF-D64C-96E2-5C4F18339E75}" type="datetimeFigureOut">
               <a:rPr lang="en-AU" smtClean="0"/>
-              <a:t>6/5/20</a:t>
+              <a:t>8/5/20</a:t>
             </a:fld>
             <a:endParaRPr lang="en-AU"/>
           </a:p>
@@ -3593,7 +3608,7 @@
           <a:p>
             <a:fld id="{ACCEE0A9-7BBF-D64C-96E2-5C4F18339E75}" type="datetimeFigureOut">
               <a:rPr lang="en-AU" smtClean="0"/>
-              <a:t>6/5/20</a:t>
+              <a:t>8/5/20</a:t>
             </a:fld>
             <a:endParaRPr lang="en-AU"/>
           </a:p>
@@ -6215,12 +6230,6 @@
           </a:p>
           <a:p>
             <a:endParaRPr lang="en-AU" dirty="0"/>
-          </a:p>
-          <a:p>
-            <a:r>
-              <a:rPr lang="en-AU" dirty="0"/>
-              <a:t>Try it on your own data</a:t>
-            </a:r>
           </a:p>
         </p:txBody>
       </p:sp>

--- a/CognitionEmotion6_RTutorial3/R_tutorial_3_slides.pptx
+++ b/CognitionEmotion6_RTutorial3/R_tutorial_3_slides.pptx
@@ -131,7 +131,7 @@
 <file path=ppt/revisionInfo.xml><?xml version="1.0" encoding="utf-8"?>
 <p1510:revInfo xmlns:a="http://schemas.openxmlformats.org/drawingml/2006/main" xmlns:r="http://schemas.openxmlformats.org/officeDocument/2006/relationships" xmlns:p1510="http://schemas.microsoft.com/office/powerpoint/2015/10/main">
   <p1510:revLst>
-    <p1510:client id="{8EA2671E-3B73-5642-9CAE-D4FA1E3485DB}" v="170" dt="2020-05-06T05:29:43.020"/>
+    <p1510:client id="{8EA2671E-3B73-5642-9CAE-D4FA1E3485DB}" v="171" dt="2020-05-08T02:34:17.301"/>
   </p1510:revLst>
 </p1510:revInfo>
 </file>
@@ -141,7 +141,7 @@
   <pc:docChgLst>
     <pc:chgData name="Aaron McInnes" userId="171bdf0d-4e2d-4ff0-8f57-fda72b0a8d25" providerId="ADAL" clId="{8EA2671E-3B73-5642-9CAE-D4FA1E3485DB}"/>
     <pc:docChg chg="undo custSel mod addSld delSld modSld">
-      <pc:chgData name="Aaron McInnes" userId="171bdf0d-4e2d-4ff0-8f57-fda72b0a8d25" providerId="ADAL" clId="{8EA2671E-3B73-5642-9CAE-D4FA1E3485DB}" dt="2020-05-08T02:30:23.063" v="1654" actId="20577"/>
+      <pc:chgData name="Aaron McInnes" userId="171bdf0d-4e2d-4ff0-8f57-fda72b0a8d25" providerId="ADAL" clId="{8EA2671E-3B73-5642-9CAE-D4FA1E3485DB}" dt="2020-05-08T02:34:49.212" v="1660" actId="115"/>
       <pc:docMkLst>
         <pc:docMk/>
       </pc:docMkLst>
@@ -191,13 +191,13 @@
         </pc:spChg>
       </pc:sldChg>
       <pc:sldChg chg="modSp">
-        <pc:chgData name="Aaron McInnes" userId="171bdf0d-4e2d-4ff0-8f57-fda72b0a8d25" providerId="ADAL" clId="{8EA2671E-3B73-5642-9CAE-D4FA1E3485DB}" dt="2020-05-06T05:30:21.561" v="1653" actId="20577"/>
+        <pc:chgData name="Aaron McInnes" userId="171bdf0d-4e2d-4ff0-8f57-fda72b0a8d25" providerId="ADAL" clId="{8EA2671E-3B73-5642-9CAE-D4FA1E3485DB}" dt="2020-05-08T02:34:49.212" v="1660" actId="115"/>
         <pc:sldMkLst>
           <pc:docMk/>
           <pc:sldMk cId="3199536808" sldId="262"/>
         </pc:sldMkLst>
         <pc:spChg chg="mod">
-          <ac:chgData name="Aaron McInnes" userId="171bdf0d-4e2d-4ff0-8f57-fda72b0a8d25" providerId="ADAL" clId="{8EA2671E-3B73-5642-9CAE-D4FA1E3485DB}" dt="2020-05-06T05:30:21.561" v="1653" actId="20577"/>
+          <ac:chgData name="Aaron McInnes" userId="171bdf0d-4e2d-4ff0-8f57-fda72b0a8d25" providerId="ADAL" clId="{8EA2671E-3B73-5642-9CAE-D4FA1E3485DB}" dt="2020-05-08T02:34:49.212" v="1660" actId="115"/>
           <ac:spMkLst>
             <pc:docMk/>
             <pc:sldMk cId="3199536808" sldId="262"/>
@@ -6475,33 +6475,12 @@
               <a:buNone/>
             </a:pPr>
             <a:r>
-              <a:rPr lang="en-AU" dirty="0" err="1"/>
-              <a:t>github.com</a:t>
-            </a:r>
-            <a:r>
-              <a:rPr lang="en-AU" dirty="0"/>
-              <a:t>/</a:t>
-            </a:r>
-            <a:r>
-              <a:rPr lang="en-AU" dirty="0" err="1"/>
-              <a:t>angnguyen</a:t>
-            </a:r>
-            <a:r>
-              <a:rPr lang="en-AU" dirty="0"/>
-              <a:t>/</a:t>
-            </a:r>
-            <a:r>
-              <a:rPr lang="en-AU" dirty="0" err="1"/>
-              <a:t>ce_group</a:t>
-            </a:r>
-            <a:r>
-              <a:rPr lang="en-AU"/>
-              <a:t>/CognitionEmotion6_</a:t>
-            </a:r>
-            <a:r>
-              <a:rPr lang="en-AU" dirty="0"/>
-              <a:t>RTutorial3</a:t>
-            </a:r>
+              <a:rPr lang="en-AU" dirty="0">
+                <a:hlinkClick r:id="rId2"/>
+              </a:rPr>
+              <a:t>https://github.com/angnguyen/ce_group/</a:t>
+            </a:r>
+            <a:endParaRPr lang="en-AU" dirty="0"/>
           </a:p>
           <a:p>
             <a:pPr marL="0" indent="0">
